--- a/performance-tunning/presentation/Towards performance tuning mindset.pptx
+++ b/performance-tunning/presentation/Towards performance tuning mindset.pptx
@@ -312,7 +312,7 @@
           <a:p>
             <a:fld id="{F5ECD052-9982-4A04-94C7-AFDEECCB702C}" type="datetimeFigureOut">
               <a:rPr lang="en-US" smtClean="0"/>
-              <a:t>10/1/2018</a:t>
+              <a:t>10/2/2018</a:t>
             </a:fld>
             <a:endParaRPr lang="en-US"/>
           </a:p>
@@ -482,7 +482,7 @@
           <a:p>
             <a:fld id="{F5ECD052-9982-4A04-94C7-AFDEECCB702C}" type="datetimeFigureOut">
               <a:rPr lang="en-US" smtClean="0"/>
-              <a:t>10/1/2018</a:t>
+              <a:t>10/2/2018</a:t>
             </a:fld>
             <a:endParaRPr lang="en-US"/>
           </a:p>
@@ -662,7 +662,7 @@
           <a:p>
             <a:fld id="{F5ECD052-9982-4A04-94C7-AFDEECCB702C}" type="datetimeFigureOut">
               <a:rPr lang="en-US" smtClean="0"/>
-              <a:t>10/1/2018</a:t>
+              <a:t>10/2/2018</a:t>
             </a:fld>
             <a:endParaRPr lang="en-US"/>
           </a:p>
@@ -832,7 +832,7 @@
           <a:p>
             <a:fld id="{F5ECD052-9982-4A04-94C7-AFDEECCB702C}" type="datetimeFigureOut">
               <a:rPr lang="en-US" smtClean="0"/>
-              <a:t>10/1/2018</a:t>
+              <a:t>10/2/2018</a:t>
             </a:fld>
             <a:endParaRPr lang="en-US"/>
           </a:p>
@@ -1078,7 +1078,7 @@
           <a:p>
             <a:fld id="{F5ECD052-9982-4A04-94C7-AFDEECCB702C}" type="datetimeFigureOut">
               <a:rPr lang="en-US" smtClean="0"/>
-              <a:t>10/1/2018</a:t>
+              <a:t>10/2/2018</a:t>
             </a:fld>
             <a:endParaRPr lang="en-US"/>
           </a:p>
@@ -1366,7 +1366,7 @@
           <a:p>
             <a:fld id="{F5ECD052-9982-4A04-94C7-AFDEECCB702C}" type="datetimeFigureOut">
               <a:rPr lang="en-US" smtClean="0"/>
-              <a:t>10/1/2018</a:t>
+              <a:t>10/2/2018</a:t>
             </a:fld>
             <a:endParaRPr lang="en-US"/>
           </a:p>
@@ -1788,7 +1788,7 @@
           <a:p>
             <a:fld id="{F5ECD052-9982-4A04-94C7-AFDEECCB702C}" type="datetimeFigureOut">
               <a:rPr lang="en-US" smtClean="0"/>
-              <a:t>10/1/2018</a:t>
+              <a:t>10/2/2018</a:t>
             </a:fld>
             <a:endParaRPr lang="en-US"/>
           </a:p>
@@ -1906,7 +1906,7 @@
           <a:p>
             <a:fld id="{F5ECD052-9982-4A04-94C7-AFDEECCB702C}" type="datetimeFigureOut">
               <a:rPr lang="en-US" smtClean="0"/>
-              <a:t>10/1/2018</a:t>
+              <a:t>10/2/2018</a:t>
             </a:fld>
             <a:endParaRPr lang="en-US"/>
           </a:p>
@@ -2001,7 +2001,7 @@
           <a:p>
             <a:fld id="{F5ECD052-9982-4A04-94C7-AFDEECCB702C}" type="datetimeFigureOut">
               <a:rPr lang="en-US" smtClean="0"/>
-              <a:t>10/1/2018</a:t>
+              <a:t>10/2/2018</a:t>
             </a:fld>
             <a:endParaRPr lang="en-US"/>
           </a:p>
@@ -2278,7 +2278,7 @@
           <a:p>
             <a:fld id="{F5ECD052-9982-4A04-94C7-AFDEECCB702C}" type="datetimeFigureOut">
               <a:rPr lang="en-US" smtClean="0"/>
-              <a:t>10/1/2018</a:t>
+              <a:t>10/2/2018</a:t>
             </a:fld>
             <a:endParaRPr lang="en-US"/>
           </a:p>
@@ -2531,7 +2531,7 @@
           <a:p>
             <a:fld id="{F5ECD052-9982-4A04-94C7-AFDEECCB702C}" type="datetimeFigureOut">
               <a:rPr lang="en-US" smtClean="0"/>
-              <a:t>10/1/2018</a:t>
+              <a:t>10/2/2018</a:t>
             </a:fld>
             <a:endParaRPr lang="en-US"/>
           </a:p>
@@ -2750,7 +2750,7 @@
           <a:p>
             <a:fld id="{F5ECD052-9982-4A04-94C7-AFDEECCB702C}" type="datetimeFigureOut">
               <a:rPr lang="en-US" smtClean="0"/>
-              <a:t>10/1/2018</a:t>
+              <a:t>10/2/2018</a:t>
             </a:fld>
             <a:endParaRPr lang="en-US"/>
           </a:p>
@@ -3864,7 +3864,15 @@
             </a:pPr>
             <a:r>
               <a:rPr lang="en-US" sz="1700" dirty="0" smtClean="0"/>
-              <a:t>read 1,000,000 lines with a pool of 80 threads, each thread inserting 10,000 lines</a:t>
+              <a:t>read 1,000,000 lines with a pool of 80 threads, each thread </a:t>
+            </a:r>
+            <a:r>
+              <a:rPr lang="en-US" sz="1700" dirty="0" smtClean="0"/>
+              <a:t>inserting  5,000 </a:t>
+            </a:r>
+            <a:r>
+              <a:rPr lang="en-US" sz="1700" dirty="0" smtClean="0"/>
+              <a:t>lines</a:t>
             </a:r>
           </a:p>
           <a:p>
@@ -5959,11 +5967,7 @@
             </a:r>
             <a:r>
               <a:rPr lang="en-US" sz="3600" dirty="0" smtClean="0"/>
-              <a:t>hould </a:t>
-            </a:r>
-            <a:r>
-              <a:rPr lang="en-US" sz="3600" dirty="0" smtClean="0"/>
-              <a:t>be 2500 batches !</a:t>
+              <a:t>hould be 2500 batches !</a:t>
             </a:r>
             <a:endParaRPr lang="en-US" sz="3600" dirty="0"/>
           </a:p>
@@ -6436,25 +6440,38 @@
               </a:rPr>
               <a:t>From 22 hours to 3 minutes ???    What a journey ! </a:t>
             </a:r>
-            <a:endParaRPr lang="en-US" sz="2000" b="1" dirty="0" smtClean="0">
-              <a:solidFill>
-                <a:schemeClr val="accent3">
-                  <a:lumMod val="50000"/>
-                </a:schemeClr>
-              </a:solidFill>
-            </a:endParaRPr>
           </a:p>
           <a:p>
             <a:pPr algn="l"/>
             <a:r>
-              <a:rPr lang="en-US" sz="2000" b="1" dirty="0" smtClean="0">
+              <a:rPr lang="en-US" sz="2000" b="1" smtClean="0">
                 <a:solidFill>
                   <a:schemeClr val="accent3">
                     <a:lumMod val="50000"/>
                   </a:schemeClr>
                 </a:solidFill>
               </a:rPr>
-              <a:t>We improve 440 times !!</a:t>
+              <a:t>We </a:t>
+            </a:r>
+            <a:r>
+              <a:rPr lang="en-US" sz="2000" b="1" smtClean="0">
+                <a:solidFill>
+                  <a:schemeClr val="accent3">
+                    <a:lumMod val="50000"/>
+                  </a:schemeClr>
+                </a:solidFill>
+              </a:rPr>
+              <a:t>improved </a:t>
+            </a:r>
+            <a:r>
+              <a:rPr lang="en-US" sz="2000" b="1" dirty="0" smtClean="0">
+                <a:solidFill>
+                  <a:schemeClr val="accent3">
+                    <a:lumMod val="50000"/>
+                  </a:schemeClr>
+                </a:solidFill>
+              </a:rPr>
+              <a:t>440 times !!</a:t>
             </a:r>
           </a:p>
           <a:p>
@@ -6658,11 +6675,7 @@
           <a:p>
             <a:r>
               <a:rPr lang="en-US" sz="3600" dirty="0" smtClean="0"/>
-              <a:t>I </a:t>
-            </a:r>
-            <a:r>
-              <a:rPr lang="en-US" sz="3600" dirty="0" smtClean="0"/>
-              <a:t>don’t have to be a genius </a:t>
+              <a:t>I don’t have to be a genius </a:t>
             </a:r>
             <a:br>
               <a:rPr lang="en-US" sz="3600" dirty="0" smtClean="0"/>
@@ -6716,11 +6729,7 @@
             <a:pPr algn="l"/>
             <a:r>
               <a:rPr lang="en-US" sz="2400" dirty="0" smtClean="0"/>
-              <a:t>I am</a:t>
-            </a:r>
-            <a:r>
-              <a:rPr lang="en-US" sz="2400" dirty="0" smtClean="0"/>
-              <a:t> </a:t>
+              <a:t>I am </a:t>
             </a:r>
             <a:r>
               <a:rPr lang="en-US" sz="2400" b="1" dirty="0" smtClean="0">
@@ -6787,19 +6796,7 @@
             <a:pPr algn="l"/>
             <a:r>
               <a:rPr lang="en-US" sz="2400" dirty="0" smtClean="0"/>
-              <a:t>I always </a:t>
-            </a:r>
-            <a:r>
-              <a:rPr lang="en-US" sz="2400" dirty="0" smtClean="0"/>
-              <a:t>keep performance in mind when </a:t>
-            </a:r>
-            <a:r>
-              <a:rPr lang="en-US" sz="2400" dirty="0" smtClean="0"/>
-              <a:t>I </a:t>
-            </a:r>
-            <a:r>
-              <a:rPr lang="en-US" sz="2400" dirty="0" smtClean="0"/>
-              <a:t>code.</a:t>
+              <a:t>I always keep performance in mind when I code.</a:t>
             </a:r>
           </a:p>
           <a:p>
@@ -6814,27 +6811,7 @@
             <a:pPr algn="l"/>
             <a:r>
               <a:rPr lang="en-US" sz="2400" dirty="0" smtClean="0"/>
-              <a:t>I HAVE </a:t>
-            </a:r>
-            <a:r>
-              <a:rPr lang="en-US" sz="2400" dirty="0" smtClean="0"/>
-              <a:t>time for performance tuning, if </a:t>
-            </a:r>
-            <a:r>
-              <a:rPr lang="en-US" sz="2400" dirty="0" smtClean="0"/>
-              <a:t>I </a:t>
-            </a:r>
-            <a:r>
-              <a:rPr lang="en-US" sz="2400" dirty="0" smtClean="0"/>
-              <a:t>prioritize </a:t>
-            </a:r>
-            <a:r>
-              <a:rPr lang="en-US" sz="2400" dirty="0" smtClean="0"/>
-              <a:t>my </a:t>
-            </a:r>
-            <a:r>
-              <a:rPr lang="en-US" sz="2400" dirty="0" smtClean="0"/>
-              <a:t>work.</a:t>
+              <a:t>I HAVE time for performance tuning, if I prioritize my work.</a:t>
             </a:r>
           </a:p>
           <a:p>
@@ -6849,23 +6826,7 @@
             <a:pPr algn="l"/>
             <a:r>
               <a:rPr lang="en-US" sz="2400" dirty="0" smtClean="0"/>
-              <a:t>I use my</a:t>
-            </a:r>
-            <a:r>
-              <a:rPr lang="en-US" sz="2400" dirty="0" smtClean="0"/>
-              <a:t> </a:t>
-            </a:r>
-            <a:r>
-              <a:rPr lang="en-US" sz="2400" dirty="0" smtClean="0"/>
-              <a:t>analytical thinking, not </a:t>
-            </a:r>
-            <a:r>
-              <a:rPr lang="en-US" sz="2400" dirty="0" smtClean="0"/>
-              <a:t>my </a:t>
-            </a:r>
-            <a:r>
-              <a:rPr lang="en-US" sz="2400" dirty="0" smtClean="0"/>
-              <a:t>typing skills</a:t>
+              <a:t>I use my analytical thinking, not my typing skills</a:t>
             </a:r>
             <a:r>
               <a:rPr lang="en-US" sz="2000" dirty="0" smtClean="0"/>
@@ -6961,15 +6922,7 @@
                   <a:srgbClr val="FF0000"/>
                 </a:solidFill>
               </a:rPr>
-              <a:t>THINK </a:t>
-            </a:r>
-            <a:r>
-              <a:rPr lang="en-US" sz="6500" b="1" dirty="0" smtClean="0">
-                <a:solidFill>
-                  <a:srgbClr val="FF0000"/>
-                </a:solidFill>
-              </a:rPr>
-              <a:t>!</a:t>
+              <a:t>THINK !</a:t>
             </a:r>
             <a:r>
               <a:rPr lang="en-US" sz="6500" dirty="0" smtClean="0">
@@ -6992,11 +6945,7 @@
           <a:p>
             <a:r>
               <a:rPr lang="en-US" sz="4000" b="1" dirty="0" smtClean="0"/>
-              <a:t>IT AIN’T ILLEGAL …. </a:t>
-            </a:r>
-            <a:r>
-              <a:rPr lang="en-US" sz="4000" b="1" dirty="0" smtClean="0"/>
-              <a:t>YET</a:t>
+              <a:t>IT AIN’T ILLEGAL …. YET</a:t>
             </a:r>
             <a:endParaRPr lang="en-US" sz="4000" b="1" dirty="0"/>
           </a:p>
@@ -7180,7 +7129,6 @@
               <a:rPr lang="en-US" sz="2000" dirty="0" smtClean="0"/>
               <a:t>Code is on GitHub, look me up</a:t>
             </a:r>
-            <a:endParaRPr lang="en-US" sz="2000" dirty="0" smtClean="0"/>
           </a:p>
         </p:txBody>
       </p:sp>
